--- a/google apps.pptx
+++ b/google apps.pptx
@@ -4,12 +4,13 @@
   <p:sldMasterIdLst>
     <p:sldMasterId id="2147483660" r:id="rId1"/>
   </p:sldMasterIdLst>
-  <p:sldIdLst xmlns:a="http://schemas.openxmlformats.org/drawingml/2006/main" xmlns:r="http://schemas.openxmlformats.org/officeDocument/2006/relationships" xmlns:p="http://schemas.openxmlformats.org/presentationml/2006/main">
-    <p:sldId id="256" r:id="rId8"/>
-    <p:sldId id="257" r:id="rId9"/>
-    <p:sldId id="258" r:id="rId10"/>
-    <p:sldId id="259" r:id="rId11"/>
-    <p:sldId id="260" r:id="rId12"/>
+  <p:sldIdLst>
+    <p:sldId id="256" r:id="rId2"/>
+    <p:sldId id="257" r:id="rId3"/>
+    <p:sldId id="258" r:id="rId4"/>
+    <p:sldId id="259" r:id="rId5"/>
+    <p:sldId id="260" r:id="rId6"/>
+    <p:sldId id="261" r:id="rId7"/>
   </p:sldIdLst>
   <p:sldSz cx="12192000" cy="6858000"/>
   <p:notesSz cx="6858000" cy="9144000"/>
@@ -119,7 +120,7 @@
 <file path=ppt/revisionInfo.xml><?xml version="1.0" encoding="utf-8"?>
 <p1510:revInfo xmlns:a="http://schemas.openxmlformats.org/drawingml/2006/main" xmlns:r="http://schemas.openxmlformats.org/officeDocument/2006/relationships" xmlns:p1510="http://schemas.microsoft.com/office/powerpoint/2015/10/main">
   <p1510:revLst>
-    <p1510:client id="{8FAB6F01-4E96-467A-B604-9A2D0B412CAB}" v="4" dt="2018-12-17T22:33:02.517"/>
+    <p1510:client id="{8FAB6F01-4E96-467A-B604-9A2D0B412CAB}" v="5" dt="2018-12-18T13:16:49.494"/>
   </p1510:revLst>
 </p1510:revInfo>
 </file>
@@ -129,15 +130,15 @@
   <pc:docChgLst>
     <pc:chgData name="David Anderson" userId="7dbb0c3fa4b49654" providerId="LiveId" clId="{8FAB6F01-4E96-467A-B604-9A2D0B412CAB}"/>
     <pc:docChg chg="custSel addSld delSld modSld">
-      <pc:chgData name="David Anderson" userId="7dbb0c3fa4b49654" providerId="LiveId" clId="{8FAB6F01-4E96-467A-B604-9A2D0B412CAB}" dt="2018-12-18T04:46:30.871" v="35" actId="2696"/>
+      <pc:chgData name="David Anderson" userId="7dbb0c3fa4b49654" providerId="LiveId" clId="{8FAB6F01-4E96-467A-B604-9A2D0B412CAB}" dt="2018-12-18T13:32:12.599" v="58" actId="1076"/>
       <pc:docMkLst>
         <pc:docMk/>
       </pc:docMkLst>
       <pc:sldChg chg="del">
-        <pc:chgData name="David Anderson" userId="7dbb0c3fa4b49654" providerId="LiveId" clId="{8FAB6F01-4E96-467A-B604-9A2D0B412CAB}" dt="2018-12-18T04:46:30.871" v="35" actId="2696"/>
+        <pc:chgData name="David Anderson" userId="7dbb0c3fa4b49654" providerId="LiveId" clId="{8FAB6F01-4E96-467A-B604-9A2D0B412CAB}" dt="2018-12-18T13:30:00.871" v="57" actId="2696"/>
         <pc:sldMkLst>
           <pc:docMk/>
-          <pc:sldMk cId="0" sldId="256"/>
+          <pc:sldMk cId="532635383" sldId="256"/>
         </pc:sldMkLst>
       </pc:sldChg>
       <pc:sldChg chg="add del">
@@ -148,7 +149,7 @@
         </pc:sldMkLst>
       </pc:sldChg>
       <pc:sldChg chg="modSp del">
-        <pc:chgData name="David Anderson" userId="7dbb0c3fa4b49654" providerId="LiveId" clId="{8FAB6F01-4E96-467A-B604-9A2D0B412CAB}" dt="2018-12-18T04:46:30.441" v="34" actId="2696"/>
+        <pc:chgData name="David Anderson" userId="7dbb0c3fa4b49654" providerId="LiveId" clId="{8FAB6F01-4E96-467A-B604-9A2D0B412CAB}" dt="2018-12-18T13:30:00.356" v="56" actId="2696"/>
         <pc:sldMkLst>
           <pc:docMk/>
           <pc:sldMk cId="0" sldId="257"/>
@@ -163,7 +164,7 @@
         </pc:spChg>
       </pc:sldChg>
       <pc:sldChg chg="modSp del">
-        <pc:chgData name="David Anderson" userId="7dbb0c3fa4b49654" providerId="LiveId" clId="{8FAB6F01-4E96-467A-B604-9A2D0B412CAB}" dt="2018-12-18T04:46:29.500" v="33" actId="2696"/>
+        <pc:chgData name="David Anderson" userId="7dbb0c3fa4b49654" providerId="LiveId" clId="{8FAB6F01-4E96-467A-B604-9A2D0B412CAB}" dt="2018-12-18T13:30:00.176" v="55" actId="2696"/>
         <pc:sldMkLst>
           <pc:docMk/>
           <pc:sldMk cId="0" sldId="258"/>
@@ -178,70 +179,78 @@
         </pc:spChg>
       </pc:sldChg>
       <pc:sldChg chg="del">
-        <pc:chgData name="David Anderson" userId="7dbb0c3fa4b49654" providerId="LiveId" clId="{8FAB6F01-4E96-467A-B604-9A2D0B412CAB}" dt="2018-12-18T04:46:29.039" v="32" actId="2696"/>
+        <pc:chgData name="David Anderson" userId="7dbb0c3fa4b49654" providerId="LiveId" clId="{8FAB6F01-4E96-467A-B604-9A2D0B412CAB}" dt="2018-12-18T13:30:00.020" v="54" actId="2696"/>
         <pc:sldMkLst>
           <pc:docMk/>
           <pc:sldMk cId="0" sldId="259"/>
         </pc:sldMkLst>
       </pc:sldChg>
       <pc:sldChg chg="del">
-        <pc:chgData name="David Anderson" userId="7dbb0c3fa4b49654" providerId="LiveId" clId="{8FAB6F01-4E96-467A-B604-9A2D0B412CAB}" dt="2018-12-18T04:46:28.825" v="31" actId="2696"/>
+        <pc:chgData name="David Anderson" userId="7dbb0c3fa4b49654" providerId="LiveId" clId="{8FAB6F01-4E96-467A-B604-9A2D0B412CAB}" dt="2018-12-18T13:29:59.727" v="53" actId="2696"/>
         <pc:sldMkLst>
           <pc:docMk/>
           <pc:sldMk cId="0" sldId="260"/>
         </pc:sldMkLst>
       </pc:sldChg>
-      <pc:sldChg chg="del">
-        <pc:chgData name="David Anderson" userId="7dbb0c3fa4b49654" providerId="LiveId" clId="{8FAB6F01-4E96-467A-B604-9A2D0B412CAB}" dt="2018-12-18T04:46:28.607" v="30" actId="2696"/>
+      <pc:sldChg chg="modSp del">
+        <pc:chgData name="David Anderson" userId="7dbb0c3fa4b49654" providerId="LiveId" clId="{8FAB6F01-4E96-467A-B604-9A2D0B412CAB}" dt="2018-12-18T13:32:12.599" v="58" actId="1076"/>
         <pc:sldMkLst>
           <pc:docMk/>
           <pc:sldMk cId="0" sldId="261"/>
         </pc:sldMkLst>
+        <pc:picChg chg="mod">
+          <ac:chgData name="David Anderson" userId="7dbb0c3fa4b49654" providerId="LiveId" clId="{8FAB6F01-4E96-467A-B604-9A2D0B412CAB}" dt="2018-12-18T13:32:12.599" v="58" actId="1076"/>
+          <ac:picMkLst>
+            <pc:docMk/>
+            <pc:sldMk cId="0" sldId="261"/>
+            <ac:picMk id="4" creationId="{00000000-0000-0000-0000-000000000000}"/>
+          </ac:picMkLst>
+        </pc:picChg>
       </pc:sldChg>
       <pc:sldChg chg="del">
-        <pc:chgData name="David Anderson" userId="7dbb0c3fa4b49654" providerId="LiveId" clId="{8FAB6F01-4E96-467A-B604-9A2D0B412CAB}" dt="2018-12-18T04:46:28.423" v="29" actId="2696"/>
+        <pc:chgData name="David Anderson" userId="7dbb0c3fa4b49654" providerId="LiveId" clId="{8FAB6F01-4E96-467A-B604-9A2D0B412CAB}" dt="2018-12-18T13:29:59.436" v="51" actId="2696"/>
         <pc:sldMkLst>
           <pc:docMk/>
           <pc:sldMk cId="0" sldId="262"/>
         </pc:sldMkLst>
       </pc:sldChg>
       <pc:sldChg chg="del">
-        <pc:chgData name="David Anderson" userId="7dbb0c3fa4b49654" providerId="LiveId" clId="{8FAB6F01-4E96-467A-B604-9A2D0B412CAB}" dt="2018-12-18T04:46:28.239" v="28" actId="2696"/>
+        <pc:chgData name="David Anderson" userId="7dbb0c3fa4b49654" providerId="LiveId" clId="{8FAB6F01-4E96-467A-B604-9A2D0B412CAB}" dt="2018-12-18T13:29:59.301" v="50" actId="2696"/>
         <pc:sldMkLst>
           <pc:docMk/>
           <pc:sldMk cId="0" sldId="263"/>
         </pc:sldMkLst>
       </pc:sldChg>
       <pc:sldChg chg="del">
-        <pc:chgData name="David Anderson" userId="7dbb0c3fa4b49654" providerId="LiveId" clId="{8FAB6F01-4E96-467A-B604-9A2D0B412CAB}" dt="2018-12-18T04:46:28.054" v="27" actId="2696"/>
+        <pc:chgData name="David Anderson" userId="7dbb0c3fa4b49654" providerId="LiveId" clId="{8FAB6F01-4E96-467A-B604-9A2D0B412CAB}" dt="2018-12-18T13:29:59.142" v="49" actId="2696"/>
         <pc:sldMkLst>
           <pc:docMk/>
           <pc:sldMk cId="0" sldId="264"/>
         </pc:sldMkLst>
       </pc:sldChg>
       <pc:sldChg chg="del">
-        <pc:chgData name="David Anderson" userId="7dbb0c3fa4b49654" providerId="LiveId" clId="{8FAB6F01-4E96-467A-B604-9A2D0B412CAB}" dt="2018-12-18T04:46:27.839" v="26" actId="2696"/>
+        <pc:chgData name="David Anderson" userId="7dbb0c3fa4b49654" providerId="LiveId" clId="{8FAB6F01-4E96-467A-B604-9A2D0B412CAB}" dt="2018-12-18T13:29:59.002" v="48" actId="2696"/>
         <pc:sldMkLst>
           <pc:docMk/>
           <pc:sldMk cId="0" sldId="265"/>
         </pc:sldMkLst>
       </pc:sldChg>
       <pc:sldChg chg="del">
-        <pc:chgData name="David Anderson" userId="7dbb0c3fa4b49654" providerId="LiveId" clId="{8FAB6F01-4E96-467A-B604-9A2D0B412CAB}" dt="2018-12-18T04:46:27.620" v="25" actId="2696"/>
+        <pc:chgData name="David Anderson" userId="7dbb0c3fa4b49654" providerId="LiveId" clId="{8FAB6F01-4E96-467A-B604-9A2D0B412CAB}" dt="2018-12-18T13:29:58.829" v="47" actId="2696"/>
         <pc:sldMkLst>
           <pc:docMk/>
           <pc:sldMk cId="0" sldId="266"/>
         </pc:sldMkLst>
       </pc:sldChg>
       <pc:sldChg chg="del">
-        <pc:chgData name="David Anderson" userId="7dbb0c3fa4b49654" providerId="LiveId" clId="{8FAB6F01-4E96-467A-B604-9A2D0B412CAB}" dt="2018-12-18T04:46:27.228" v="24" actId="2696"/>
+        <pc:chgData name="David Anderson" userId="7dbb0c3fa4b49654" providerId="LiveId" clId="{8FAB6F01-4E96-467A-B604-9A2D0B412CAB}" dt="2018-12-18T13:29:58.678" v="46" actId="2696"/>
         <pc:sldMkLst>
           <pc:docMk/>
           <pc:sldMk cId="0" sldId="267"/>
         </pc:sldMkLst>
       </pc:sldChg>
       <pc:sldChg chg="modSp del">
-        <pc:chgData name="David Anderson" userId="7dbb0c3fa4b49654" providerId="LiveId" clId="{8FAB6F01-4E96-467A-B604-9A2D0B412CAB}" dt="2018-12-18T04:21:31.689" v="8" actId="2696"/>
+        <pc:chgData name="David Anderson" userId="7dbb0c3fa4b49654" providerId="LiveId" clId="{8FAB6F01-4E96-467A-B604-9A2D0B412CAB}" dt="2018-12-18T13:29:58.519" v="45" actId="2696"/>
         <pc:sldMkLst>
           <pc:docMk/>
           <pc:sldMk cId="0" sldId="268"/>
@@ -255,6 +264,13 @@
           </ac:spMkLst>
         </pc:spChg>
       </pc:sldChg>
+      <pc:sldChg chg="del">
+        <pc:chgData name="David Anderson" userId="7dbb0c3fa4b49654" providerId="LiveId" clId="{8FAB6F01-4E96-467A-B604-9A2D0B412CAB}" dt="2018-12-18T13:29:58.362" v="44" actId="2696"/>
+        <pc:sldMkLst>
+          <pc:docMk/>
+          <pc:sldMk cId="0" sldId="269"/>
+        </pc:sldMkLst>
+      </pc:sldChg>
       <pc:sldChg chg="add del">
         <pc:chgData name="David Anderson" userId="7dbb0c3fa4b49654" providerId="LiveId" clId="{8FAB6F01-4E96-467A-B604-9A2D0B412CAB}" dt="2018-12-18T04:21:31.527" v="7" actId="2696"/>
         <pc:sldMkLst>
@@ -262,11 +278,25 @@
           <pc:sldMk cId="850500471" sldId="269"/>
         </pc:sldMkLst>
       </pc:sldChg>
+      <pc:sldChg chg="del">
+        <pc:chgData name="David Anderson" userId="7dbb0c3fa4b49654" providerId="LiveId" clId="{8FAB6F01-4E96-467A-B604-9A2D0B412CAB}" dt="2018-12-18T13:29:58.185" v="43" actId="2696"/>
+        <pc:sldMkLst>
+          <pc:docMk/>
+          <pc:sldMk cId="0" sldId="270"/>
+        </pc:sldMkLst>
+      </pc:sldChg>
       <pc:sldChg chg="add del">
         <pc:chgData name="David Anderson" userId="7dbb0c3fa4b49654" providerId="LiveId" clId="{8FAB6F01-4E96-467A-B604-9A2D0B412CAB}" dt="2018-12-18T04:21:31.403" v="6" actId="2696"/>
         <pc:sldMkLst>
           <pc:docMk/>
           <pc:sldMk cId="4170815273" sldId="270"/>
+        </pc:sldMkLst>
+      </pc:sldChg>
+      <pc:sldChg chg="del">
+        <pc:chgData name="David Anderson" userId="7dbb0c3fa4b49654" providerId="LiveId" clId="{8FAB6F01-4E96-467A-B604-9A2D0B412CAB}" dt="2018-12-18T13:29:57.825" v="42" actId="2696"/>
+        <pc:sldMkLst>
+          <pc:docMk/>
+          <pc:sldMk cId="0" sldId="271"/>
         </pc:sldMkLst>
       </pc:sldChg>
     </pc:docChg>
@@ -413,7 +443,7 @@
           <a:p>
             <a:fld id="{941D480A-84D7-43F4-9021-9170B20D0531}" type="datetimeFigureOut">
               <a:rPr lang="en-US" smtClean="0"/>
-              <a:t>12/17/2018</a:t>
+              <a:t>12/18/2018</a:t>
             </a:fld>
             <a:endParaRPr lang="en-US"/>
           </a:p>
@@ -624,7 +654,7 @@
           <a:p>
             <a:fld id="{941D480A-84D7-43F4-9021-9170B20D0531}" type="datetimeFigureOut">
               <a:rPr lang="en-US" smtClean="0"/>
-              <a:t>12/17/2018</a:t>
+              <a:t>12/18/2018</a:t>
             </a:fld>
             <a:endParaRPr lang="en-US"/>
           </a:p>
@@ -839,7 +869,7 @@
           <a:p>
             <a:fld id="{941D480A-84D7-43F4-9021-9170B20D0531}" type="datetimeFigureOut">
               <a:rPr lang="en-US" smtClean="0"/>
-              <a:t>12/17/2018</a:t>
+              <a:t>12/18/2018</a:t>
             </a:fld>
             <a:endParaRPr lang="en-US"/>
           </a:p>
@@ -1040,7 +1070,7 @@
           <a:p>
             <a:fld id="{941D480A-84D7-43F4-9021-9170B20D0531}" type="datetimeFigureOut">
               <a:rPr lang="en-US" smtClean="0"/>
-              <a:t>12/17/2018</a:t>
+              <a:t>12/18/2018</a:t>
             </a:fld>
             <a:endParaRPr lang="en-US"/>
           </a:p>
@@ -1319,7 +1349,7 @@
           <a:p>
             <a:fld id="{941D480A-84D7-43F4-9021-9170B20D0531}" type="datetimeFigureOut">
               <a:rPr lang="en-US" smtClean="0"/>
-              <a:t>12/17/2018</a:t>
+              <a:t>12/18/2018</a:t>
             </a:fld>
             <a:endParaRPr lang="en-US"/>
           </a:p>
@@ -1587,7 +1617,7 @@
           <a:p>
             <a:fld id="{941D480A-84D7-43F4-9021-9170B20D0531}" type="datetimeFigureOut">
               <a:rPr lang="en-US" smtClean="0"/>
-              <a:t>12/17/2018</a:t>
+              <a:t>12/18/2018</a:t>
             </a:fld>
             <a:endParaRPr lang="en-US"/>
           </a:p>
@@ -2003,7 +2033,7 @@
           <a:p>
             <a:fld id="{941D480A-84D7-43F4-9021-9170B20D0531}" type="datetimeFigureOut">
               <a:rPr lang="en-US" smtClean="0"/>
-              <a:t>12/17/2018</a:t>
+              <a:t>12/18/2018</a:t>
             </a:fld>
             <a:endParaRPr lang="en-US"/>
           </a:p>
@@ -2152,7 +2182,7 @@
           <a:p>
             <a:fld id="{941D480A-84D7-43F4-9021-9170B20D0531}" type="datetimeFigureOut">
               <a:rPr lang="en-US" smtClean="0"/>
-              <a:t>12/17/2018</a:t>
+              <a:t>12/18/2018</a:t>
             </a:fld>
             <a:endParaRPr lang="en-US"/>
           </a:p>
@@ -2278,7 +2308,7 @@
           <a:p>
             <a:fld id="{941D480A-84D7-43F4-9021-9170B20D0531}" type="datetimeFigureOut">
               <a:rPr lang="en-US" smtClean="0"/>
-              <a:t>12/17/2018</a:t>
+              <a:t>12/18/2018</a:t>
             </a:fld>
             <a:endParaRPr lang="en-US"/>
           </a:p>
@@ -2529,7 +2559,7 @@
           <a:p>
             <a:fld id="{941D480A-84D7-43F4-9021-9170B20D0531}" type="datetimeFigureOut">
               <a:rPr lang="en-US" smtClean="0"/>
-              <a:t>12/17/2018</a:t>
+              <a:t>12/18/2018</a:t>
             </a:fld>
             <a:endParaRPr lang="en-US"/>
           </a:p>
@@ -2974,7 +3004,7 @@
           <a:p>
             <a:fld id="{941D480A-84D7-43F4-9021-9170B20D0531}" type="datetimeFigureOut">
               <a:rPr lang="en-US" smtClean="0"/>
-              <a:t>12/17/2018</a:t>
+              <a:t>12/18/2018</a:t>
             </a:fld>
             <a:endParaRPr lang="en-US"/>
           </a:p>
@@ -3300,7 +3330,7 @@
           <a:p>
             <a:fld id="{941D480A-84D7-43F4-9021-9170B20D0531}" type="datetimeFigureOut">
               <a:rPr lang="en-US" smtClean="0"/>
-              <a:t>12/17/2018</a:t>
+              <a:t>12/18/2018</a:t>
             </a:fld>
             <a:endParaRPr lang="en-US"/>
           </a:p>
@@ -3786,9 +3816,9 @@
           <a:chExt cx="0" cy="0"/>
         </a:xfrm>
       </p:grpSpPr>
-      <p:sp xmlns:a="http://schemas.openxmlformats.org/drawingml/2006/main" xmlns:r="http://schemas.openxmlformats.org/officeDocument/2006/relationships" xmlns:p="http://schemas.openxmlformats.org/presentationml/2006/main">
-        <p:nvSpPr>
-          <p:cNvPr id="2" name=""/>
+      <p:sp>
+        <p:nvSpPr>
+          <p:cNvPr id="2" name="Title 1"/>
           <p:cNvSpPr>
             <a:spLocks noGrp="1"/>
           </p:cNvSpPr>
@@ -3807,15 +3837,14 @@
           <a:lstStyle/>
           <a:p>
             <a:r>
-              <a:rPr/>
               <a:t>Google Playstore Apps</a:t>
             </a:r>
           </a:p>
         </p:txBody>
       </p:sp>
-      <p:sp xmlns:a="http://schemas.openxmlformats.org/drawingml/2006/main" xmlns:r="http://schemas.openxmlformats.org/officeDocument/2006/relationships" xmlns:p="http://schemas.openxmlformats.org/presentationml/2006/main">
-        <p:nvSpPr>
-          <p:cNvPr id="3" name=""/>
+      <p:sp>
+        <p:nvSpPr>
+          <p:cNvPr id="3" name="Subtitle 2"/>
           <p:cNvSpPr>
             <a:spLocks noGrp="1"/>
           </p:cNvSpPr>
@@ -3834,7 +3863,6 @@
           <a:lstStyle/>
           <a:p>
             <a:r>
-              <a:rPr/>
               <a:t>By David Anderson</a:t>
             </a:r>
           </a:p>
@@ -3865,9 +3893,9 @@
           <a:chExt cx="0" cy="0"/>
         </a:xfrm>
       </p:grpSpPr>
-      <p:sp xmlns:a="http://schemas.openxmlformats.org/drawingml/2006/main" xmlns:r="http://schemas.openxmlformats.org/officeDocument/2006/relationships" xmlns:p="http://schemas.openxmlformats.org/presentationml/2006/main">
-        <p:nvSpPr>
-          <p:cNvPr id="2" name=""/>
+      <p:sp>
+        <p:nvSpPr>
+          <p:cNvPr id="2" name="Title 1"/>
           <p:cNvSpPr>
             <a:spLocks noGrp="1"/>
           </p:cNvSpPr>
@@ -3886,15 +3914,14 @@
           <a:lstStyle/>
           <a:p>
             <a:r>
-              <a:rPr/>
               <a:t>Introduction and Goals</a:t>
             </a:r>
           </a:p>
         </p:txBody>
       </p:sp>
-      <p:sp xmlns:a="http://schemas.openxmlformats.org/drawingml/2006/main" xmlns:r="http://schemas.openxmlformats.org/officeDocument/2006/relationships" xmlns:p="http://schemas.openxmlformats.org/presentationml/2006/main">
-        <p:nvSpPr>
-          <p:cNvPr id="3" name=""/>
+      <p:sp>
+        <p:nvSpPr>
+          <p:cNvPr id="3" name="Content Placeholder 2"/>
           <p:cNvSpPr>
             <a:spLocks noGrp="1"/>
           </p:cNvSpPr>
@@ -3912,58 +3939,48 @@
           <a:bodyPr/>
           <a:lstStyle/>
           <a:p>
-            <a:pPr/>
-            <a:r>
-              <a:rPr/>
+            <a:r>
               <a:t>Mobile Apps has become a Giant Industry:</a:t>
             </a:r>
           </a:p>
           <a:p>
             <a:pPr lvl="1"/>
             <a:r>
-              <a:rPr/>
               <a:t>2016: 88.3 Billion in Revenue, 90 Billion Downloads</a:t>
             </a:r>
           </a:p>
           <a:p>
             <a:pPr lvl="1"/>
             <a:r>
-              <a:rPr/>
               <a:t>Millions of Apps. How many could you name?</a:t>
             </a:r>
           </a:p>
           <a:p>
             <a:pPr lvl="1"/>
             <a:r>
-              <a:rPr/>
               <a:t>Known issue of false reviews/downloads</a:t>
             </a:r>
           </a:p>
           <a:p>
-            <a:pPr/>
-            <a:r>
-              <a:rPr/>
+            <a:r>
               <a:t>Goals of This Study:</a:t>
             </a:r>
           </a:p>
           <a:p>
             <a:pPr lvl="1"/>
             <a:r>
-              <a:rPr/>
               <a:t>Understand Google Play Apps</a:t>
             </a:r>
           </a:p>
           <a:p>
             <a:pPr lvl="2"/>
             <a:r>
-              <a:rPr/>
               <a:t>Categorical Breakdown, Average Ratings, Average Reviews, etc.</a:t>
             </a:r>
           </a:p>
           <a:p>
             <a:pPr lvl="1"/>
             <a:r>
-              <a:rPr/>
               <a:t>Perform Benford Analysis to Investigate Falsely Reviewed Apps</a:t>
             </a:r>
           </a:p>
@@ -3994,9 +4011,9 @@
           <a:chExt cx="0" cy="0"/>
         </a:xfrm>
       </p:grpSpPr>
-      <p:sp xmlns:a="http://schemas.openxmlformats.org/drawingml/2006/main" xmlns:r="http://schemas.openxmlformats.org/officeDocument/2006/relationships" xmlns:p="http://schemas.openxmlformats.org/presentationml/2006/main">
-        <p:nvSpPr>
-          <p:cNvPr id="2" name=""/>
+      <p:sp>
+        <p:nvSpPr>
+          <p:cNvPr id="2" name="Title 1"/>
           <p:cNvSpPr>
             <a:spLocks noGrp="1"/>
           </p:cNvSpPr>
@@ -4015,15 +4032,14 @@
           <a:lstStyle/>
           <a:p>
             <a:r>
-              <a:rPr/>
               <a:t>Data Overview</a:t>
             </a:r>
           </a:p>
         </p:txBody>
       </p:sp>
-      <p:sp xmlns:a="http://schemas.openxmlformats.org/drawingml/2006/main" xmlns:r="http://schemas.openxmlformats.org/officeDocument/2006/relationships" xmlns:p="http://schemas.openxmlformats.org/presentationml/2006/main">
-        <p:nvSpPr>
-          <p:cNvPr id="3" name=""/>
+      <p:sp>
+        <p:nvSpPr>
+          <p:cNvPr id="3" name="Content Placeholder 2"/>
           <p:cNvSpPr>
             <a:spLocks noGrp="1"/>
           </p:cNvSpPr>
@@ -4041,78 +4057,67 @@
           <a:bodyPr/>
           <a:lstStyle/>
           <a:p>
-            <a:pPr/>
-            <a:r>
-              <a:rPr/>
+            <a:r>
               <a:t>Kaggle Dataset on Scrapped Information</a:t>
             </a:r>
           </a:p>
           <a:p>
             <a:pPr lvl="1"/>
             <a:r>
-              <a:rPr/>
               <a:t>About 10,000 Apps</a:t>
             </a:r>
           </a:p>
           <a:p>
             <a:pPr lvl="1"/>
             <a:r>
-              <a:rPr/>
               <a:t>Dataset With Each Review</a:t>
             </a:r>
           </a:p>
           <a:p>
-            <a:pPr/>
-            <a:r>
-              <a:rPr/>
+            <a:r>
               <a:t>Information Available:</a:t>
             </a:r>
           </a:p>
           <a:p>
             <a:pPr lvl="1"/>
             <a:r>
-              <a:rPr/>
               <a:t>Number of Reviews</a:t>
             </a:r>
           </a:p>
           <a:p>
             <a:pPr lvl="1"/>
             <a:r>
-              <a:rPr/>
               <a:t>Overall Rating</a:t>
             </a:r>
           </a:p>
           <a:p>
             <a:pPr lvl="1"/>
             <a:r>
-              <a:rPr/>
               <a:t>App Size</a:t>
             </a:r>
           </a:p>
           <a:p>
             <a:pPr lvl="1"/>
             <a:r>
-              <a:rPr/>
               <a:t>Rough Number of Installs</a:t>
             </a:r>
           </a:p>
           <a:p>
             <a:pPr lvl="1"/>
             <a:r>
-              <a:rPr/>
               <a:t>App Category</a:t>
             </a:r>
           </a:p>
         </p:txBody>
       </p:sp>
-      <p:pic xmlns:a="http://schemas.openxmlformats.org/drawingml/2006/main" xmlns:r="http://schemas.openxmlformats.org/officeDocument/2006/relationships" xmlns:p="http://schemas.openxmlformats.org/presentationml/2006/main">
+      <p:pic>
         <p:nvPicPr>
           <p:cNvPr id="4" name="pic"/>
           <p:cNvPicPr/>
           <p:nvPr/>
         </p:nvPicPr>
         <p:blipFill>
-          <a:blip cstate="print" r:embed="rId2"/>
+          <a:blip r:embed="rId2" cstate="print"/>
           <a:stretch>
             <a:fillRect/>
           </a:stretch>
@@ -4152,9 +4157,9 @@
           <a:chExt cx="0" cy="0"/>
         </a:xfrm>
       </p:grpSpPr>
-      <p:sp xmlns:a="http://schemas.openxmlformats.org/drawingml/2006/main" xmlns:r="http://schemas.openxmlformats.org/officeDocument/2006/relationships" xmlns:p="http://schemas.openxmlformats.org/presentationml/2006/main">
-        <p:nvSpPr>
-          <p:cNvPr id="2" name=""/>
+      <p:sp>
+        <p:nvSpPr>
+          <p:cNvPr id="2" name="Title 1"/>
           <p:cNvSpPr>
             <a:spLocks noGrp="1"/>
           </p:cNvSpPr>
@@ -4173,20 +4178,19 @@
           <a:lstStyle/>
           <a:p>
             <a:r>
-              <a:rPr/>
               <a:t>Reviews and Ratings Distributions</a:t>
             </a:r>
           </a:p>
         </p:txBody>
       </p:sp>
-      <p:pic xmlns:a="http://schemas.openxmlformats.org/drawingml/2006/main" xmlns:r="http://schemas.openxmlformats.org/officeDocument/2006/relationships" xmlns:p="http://schemas.openxmlformats.org/presentationml/2006/main">
+      <p:pic>
         <p:nvPicPr>
           <p:cNvPr id="3" name="pic"/>
           <p:cNvPicPr/>
           <p:nvPr/>
         </p:nvPicPr>
         <p:blipFill>
-          <a:blip cstate="print" r:embed="rId2"/>
+          <a:blip r:embed="rId2" cstate="print"/>
           <a:stretch>
             <a:fillRect/>
           </a:stretch>
@@ -4201,14 +4205,14 @@
           </a:prstGeom>
         </p:spPr>
       </p:pic>
-      <p:pic xmlns:a="http://schemas.openxmlformats.org/drawingml/2006/main" xmlns:r="http://schemas.openxmlformats.org/officeDocument/2006/relationships" xmlns:p="http://schemas.openxmlformats.org/presentationml/2006/main">
+      <p:pic>
         <p:nvPicPr>
           <p:cNvPr id="4" name="pic"/>
           <p:cNvPicPr/>
           <p:nvPr/>
         </p:nvPicPr>
         <p:blipFill>
-          <a:blip cstate="print" r:embed="rId3"/>
+          <a:blip r:embed="rId3" cstate="print"/>
           <a:stretch>
             <a:fillRect/>
           </a:stretch>
@@ -4248,9 +4252,9 @@
           <a:chExt cx="0" cy="0"/>
         </a:xfrm>
       </p:grpSpPr>
-      <p:sp xmlns:a="http://schemas.openxmlformats.org/drawingml/2006/main" xmlns:r="http://schemas.openxmlformats.org/officeDocument/2006/relationships" xmlns:p="http://schemas.openxmlformats.org/presentationml/2006/main">
-        <p:nvSpPr>
-          <p:cNvPr id="2" name=""/>
+      <p:sp>
+        <p:nvSpPr>
+          <p:cNvPr id="2" name="Title 1"/>
           <p:cNvSpPr>
             <a:spLocks noGrp="1"/>
           </p:cNvSpPr>
@@ -4269,15 +4273,14 @@
           <a:lstStyle/>
           <a:p>
             <a:r>
-              <a:rPr/>
               <a:t>Categories</a:t>
             </a:r>
           </a:p>
         </p:txBody>
       </p:sp>
-      <p:sp xmlns:a="http://schemas.openxmlformats.org/drawingml/2006/main" xmlns:r="http://schemas.openxmlformats.org/officeDocument/2006/relationships" xmlns:p="http://schemas.openxmlformats.org/presentationml/2006/main">
-        <p:nvSpPr>
-          <p:cNvPr id="3" name=""/>
+      <p:sp>
+        <p:nvSpPr>
+          <p:cNvPr id="3" name="Content Placeholder 2"/>
           <p:cNvSpPr>
             <a:spLocks noGrp="1"/>
           </p:cNvSpPr>
@@ -4296,20 +4299,19 @@
           <a:lstStyle/>
           <a:p>
             <a:r>
-              <a:rPr/>
               <a:t>While the 'Family' category has the most apps, we see that 'Games', 'Communication' and 'Social Media' dominate the downloads</a:t>
             </a:r>
           </a:p>
         </p:txBody>
       </p:sp>
-      <p:pic xmlns:a="http://schemas.openxmlformats.org/drawingml/2006/main" xmlns:r="http://schemas.openxmlformats.org/officeDocument/2006/relationships" xmlns:p="http://schemas.openxmlformats.org/presentationml/2006/main">
+      <p:pic>
         <p:nvPicPr>
           <p:cNvPr id="4" name="pic"/>
           <p:cNvPicPr/>
           <p:nvPr/>
         </p:nvPicPr>
         <p:blipFill>
-          <a:blip cstate="print" r:embed="rId2"/>
+          <a:blip r:embed="rId2" cstate="print"/>
           <a:stretch>
             <a:fillRect/>
           </a:stretch>
@@ -4318,6 +4320,105 @@
           <a:xfrm>
             <a:off x="2743200" y="3200400"/>
             <a:ext cx="7315200" cy="3657600"/>
+          </a:xfrm>
+          <a:prstGeom prst="rect">
+            <a:avLst/>
+          </a:prstGeom>
+        </p:spPr>
+      </p:pic>
+    </p:spTree>
+  </p:cSld>
+  <p:clrMapOvr>
+    <a:masterClrMapping/>
+  </p:clrMapOvr>
+</p:sld>
+</file>
+
+<file path=ppt/slides/slide6.xml><?xml version="1.0" encoding="utf-8"?>
+<p:sld xmlns:a="http://schemas.openxmlformats.org/drawingml/2006/main" xmlns:r="http://schemas.openxmlformats.org/officeDocument/2006/relationships" xmlns:p="http://schemas.openxmlformats.org/presentationml/2006/main">
+  <p:cSld>
+    <p:spTree>
+      <p:nvGrpSpPr>
+        <p:cNvPr id="1" name=""/>
+        <p:cNvGrpSpPr/>
+        <p:nvPr/>
+      </p:nvGrpSpPr>
+      <p:grpSpPr>
+        <a:xfrm>
+          <a:off x="0" y="0"/>
+          <a:ext cx="0" cy="0"/>
+          <a:chOff x="0" y="0"/>
+          <a:chExt cx="0" cy="0"/>
+        </a:xfrm>
+      </p:grpSpPr>
+      <p:sp>
+        <p:nvSpPr>
+          <p:cNvPr id="2" name="Title 1"/>
+          <p:cNvSpPr>
+            <a:spLocks noGrp="1"/>
+          </p:cNvSpPr>
+          <p:nvPr>
+            <p:ph type="title"/>
+          </p:nvPr>
+        </p:nvSpPr>
+        <p:spPr>
+          <a:xfrm>
+            <a:off x="1449217" y="804889"/>
+            <a:ext cx="9605635" cy="1059305"/>
+          </a:xfrm>
+        </p:spPr>
+        <p:txBody>
+          <a:bodyPr/>
+          <a:lstStyle/>
+          <a:p>
+            <a:r>
+              <a:t>Benford Analysis</a:t>
+            </a:r>
+          </a:p>
+        </p:txBody>
+      </p:sp>
+      <p:sp>
+        <p:nvSpPr>
+          <p:cNvPr id="3" name="Content Placeholder 2"/>
+          <p:cNvSpPr>
+            <a:spLocks noGrp="1"/>
+          </p:cNvSpPr>
+          <p:nvPr>
+            <p:ph sz="half" idx="2"/>
+          </p:nvPr>
+        </p:nvSpPr>
+        <p:spPr>
+          <a:xfrm>
+            <a:off x="6413771" y="2017343"/>
+            <a:ext cx="4645152" cy="3441520"/>
+          </a:xfrm>
+        </p:spPr>
+        <p:txBody>
+          <a:bodyPr/>
+          <a:lstStyle/>
+          <a:p>
+            <a:r>
+              <a:t>Searching for apps with false reviews with Benford Analysis, we see that the distribution of digits is actually fairly consistent with Benford's Law. When searching for suspicious apps, I examined the suspect list from Benford's analysis. Each apps' ratio of reviews to installs was used to create the top suspect apps for false reviews.</a:t>
+            </a:r>
+          </a:p>
+        </p:txBody>
+      </p:sp>
+      <p:pic>
+        <p:nvPicPr>
+          <p:cNvPr id="4" name="pic"/>
+          <p:cNvPicPr/>
+          <p:nvPr/>
+        </p:nvPicPr>
+        <p:blipFill>
+          <a:blip r:embed="rId2" cstate="print"/>
+          <a:stretch>
+            <a:fillRect/>
+          </a:stretch>
+        </p:blipFill>
+        <p:spPr>
+          <a:xfrm>
+            <a:off x="211016" y="1864194"/>
+            <a:ext cx="6400800" cy="3657600"/>
           </a:xfrm>
           <a:prstGeom prst="rect">
             <a:avLst/>
